--- a/ppt 16-9/1099.曾经.pptx
+++ b/ppt 16-9/1099.曾经.pptx
@@ -129,7 +129,7 @@
           <p:cNvPr id="2" name="标题 1">
             <a:extLst>
               <a:ext uri="{FF2B5EF4-FFF2-40B4-BE49-F238E27FC236}">
-                <a16:creationId xmlns:a16="http://schemas.microsoft.com/office/drawing/2014/main" id="{504EE00A-12B3-6068-918B-9699D7518E92}"/>
+                <a16:creationId xmlns:a16="http://schemas.microsoft.com/office/drawing/2014/main" id="{F6E74191-2835-C309-E8CE-97A6A476B32F}"/>
               </a:ext>
             </a:extLst>
           </p:cNvPr>
@@ -166,7 +166,7 @@
           <p:cNvPr id="3" name="副标题 2">
             <a:extLst>
               <a:ext uri="{FF2B5EF4-FFF2-40B4-BE49-F238E27FC236}">
-                <a16:creationId xmlns:a16="http://schemas.microsoft.com/office/drawing/2014/main" id="{174B7CD8-AA13-2414-8669-3A26D1602906}"/>
+                <a16:creationId xmlns:a16="http://schemas.microsoft.com/office/drawing/2014/main" id="{C085BBE1-C0EE-80AB-EE3E-BDCDBF47D97D}"/>
               </a:ext>
             </a:extLst>
           </p:cNvPr>
@@ -236,7 +236,7 @@
           <p:cNvPr id="4" name="日期占位符 3">
             <a:extLst>
               <a:ext uri="{FF2B5EF4-FFF2-40B4-BE49-F238E27FC236}">
-                <a16:creationId xmlns:a16="http://schemas.microsoft.com/office/drawing/2014/main" id="{39C5C635-8247-6A07-9DEB-797E0A60650F}"/>
+                <a16:creationId xmlns:a16="http://schemas.microsoft.com/office/drawing/2014/main" id="{C171C5E7-9105-EB3A-87B4-721D332DD637}"/>
               </a:ext>
             </a:extLst>
           </p:cNvPr>
@@ -252,7 +252,7 @@
           <a:bodyPr/>
           <a:lstStyle/>
           <a:p>
-            <a:fld id="{9F90ABCE-721E-4B3D-8616-4D72E25C7341}" type="datetimeFigureOut">
+            <a:fld id="{FD0F080A-651B-4F9D-809C-CF2B113F353A}" type="datetimeFigureOut">
               <a:rPr lang="zh-CN" altLang="en-US" smtClean="0"/>
               <a:t>2024/3/10</a:t>
             </a:fld>
@@ -265,7 +265,7 @@
           <p:cNvPr id="5" name="页脚占位符 4">
             <a:extLst>
               <a:ext uri="{FF2B5EF4-FFF2-40B4-BE49-F238E27FC236}">
-                <a16:creationId xmlns:a16="http://schemas.microsoft.com/office/drawing/2014/main" id="{519C9B14-FD5B-B1E8-703D-0C1B5D7EEDF4}"/>
+                <a16:creationId xmlns:a16="http://schemas.microsoft.com/office/drawing/2014/main" id="{38350F2E-F662-99A6-80F2-3C5E60E90183}"/>
               </a:ext>
             </a:extLst>
           </p:cNvPr>
@@ -290,7 +290,7 @@
           <p:cNvPr id="6" name="灯片编号占位符 5">
             <a:extLst>
               <a:ext uri="{FF2B5EF4-FFF2-40B4-BE49-F238E27FC236}">
-                <a16:creationId xmlns:a16="http://schemas.microsoft.com/office/drawing/2014/main" id="{9434463D-130B-8CFD-79C6-B556D6D9EAEB}"/>
+                <a16:creationId xmlns:a16="http://schemas.microsoft.com/office/drawing/2014/main" id="{A49DC42F-B312-1FFF-AA51-868AF48F37FD}"/>
               </a:ext>
             </a:extLst>
           </p:cNvPr>
@@ -306,7 +306,7 @@
           <a:bodyPr/>
           <a:lstStyle/>
           <a:p>
-            <a:fld id="{72410669-B2A6-4C29-B148-E680CC995E0E}" type="slidenum">
+            <a:fld id="{49E664E3-55A1-4CEC-BCA7-68A2AE21FCE1}" type="slidenum">
               <a:rPr lang="zh-CN" altLang="en-US" smtClean="0"/>
               <a:t>‹#›</a:t>
             </a:fld>
@@ -317,7 +317,7 @@
     </p:spTree>
     <p:extLst>
       <p:ext uri="{BB962C8B-B14F-4D97-AF65-F5344CB8AC3E}">
-        <p14:creationId xmlns:p14="http://schemas.microsoft.com/office/powerpoint/2010/main" val="2022135332"/>
+        <p14:creationId xmlns:p14="http://schemas.microsoft.com/office/powerpoint/2010/main" val="2272541190"/>
       </p:ext>
     </p:extLst>
   </p:cSld>
@@ -349,7 +349,7 @@
           <p:cNvPr id="2" name="标题 1">
             <a:extLst>
               <a:ext uri="{FF2B5EF4-FFF2-40B4-BE49-F238E27FC236}">
-                <a16:creationId xmlns:a16="http://schemas.microsoft.com/office/drawing/2014/main" id="{B01E8D39-85D5-81A9-9760-9090DC79FFCB}"/>
+                <a16:creationId xmlns:a16="http://schemas.microsoft.com/office/drawing/2014/main" id="{D488A9B5-FD98-FEAE-7499-644FA08E5CDE}"/>
               </a:ext>
             </a:extLst>
           </p:cNvPr>
@@ -377,7 +377,7 @@
           <p:cNvPr id="3" name="竖排文字占位符 2">
             <a:extLst>
               <a:ext uri="{FF2B5EF4-FFF2-40B4-BE49-F238E27FC236}">
-                <a16:creationId xmlns:a16="http://schemas.microsoft.com/office/drawing/2014/main" id="{3442890E-B3A2-4B0F-2A72-030208E4E71F}"/>
+                <a16:creationId xmlns:a16="http://schemas.microsoft.com/office/drawing/2014/main" id="{F867375C-0AC2-9373-C256-3E461C6DA65E}"/>
               </a:ext>
             </a:extLst>
           </p:cNvPr>
@@ -434,7 +434,7 @@
           <p:cNvPr id="4" name="日期占位符 3">
             <a:extLst>
               <a:ext uri="{FF2B5EF4-FFF2-40B4-BE49-F238E27FC236}">
-                <a16:creationId xmlns:a16="http://schemas.microsoft.com/office/drawing/2014/main" id="{099567F5-8D60-8FE6-8626-EDECD1B8D2E9}"/>
+                <a16:creationId xmlns:a16="http://schemas.microsoft.com/office/drawing/2014/main" id="{777A3849-7B0C-96C6-6BB2-D6AB8CAD7E96}"/>
               </a:ext>
             </a:extLst>
           </p:cNvPr>
@@ -450,7 +450,7 @@
           <a:bodyPr/>
           <a:lstStyle/>
           <a:p>
-            <a:fld id="{9F90ABCE-721E-4B3D-8616-4D72E25C7341}" type="datetimeFigureOut">
+            <a:fld id="{FD0F080A-651B-4F9D-809C-CF2B113F353A}" type="datetimeFigureOut">
               <a:rPr lang="zh-CN" altLang="en-US" smtClean="0"/>
               <a:t>2024/3/10</a:t>
             </a:fld>
@@ -463,7 +463,7 @@
           <p:cNvPr id="5" name="页脚占位符 4">
             <a:extLst>
               <a:ext uri="{FF2B5EF4-FFF2-40B4-BE49-F238E27FC236}">
-                <a16:creationId xmlns:a16="http://schemas.microsoft.com/office/drawing/2014/main" id="{6815365C-BFA0-D44F-4096-1B99B57710DD}"/>
+                <a16:creationId xmlns:a16="http://schemas.microsoft.com/office/drawing/2014/main" id="{82874D84-9004-A5B0-378D-D9D57B215DAB}"/>
               </a:ext>
             </a:extLst>
           </p:cNvPr>
@@ -488,7 +488,7 @@
           <p:cNvPr id="6" name="灯片编号占位符 5">
             <a:extLst>
               <a:ext uri="{FF2B5EF4-FFF2-40B4-BE49-F238E27FC236}">
-                <a16:creationId xmlns:a16="http://schemas.microsoft.com/office/drawing/2014/main" id="{FB4123D5-ED26-EE31-8756-EA7805024D77}"/>
+                <a16:creationId xmlns:a16="http://schemas.microsoft.com/office/drawing/2014/main" id="{919B8BC1-A93B-6D42-BA75-2167F073F9CF}"/>
               </a:ext>
             </a:extLst>
           </p:cNvPr>
@@ -504,7 +504,7 @@
           <a:bodyPr/>
           <a:lstStyle/>
           <a:p>
-            <a:fld id="{72410669-B2A6-4C29-B148-E680CC995E0E}" type="slidenum">
+            <a:fld id="{49E664E3-55A1-4CEC-BCA7-68A2AE21FCE1}" type="slidenum">
               <a:rPr lang="zh-CN" altLang="en-US" smtClean="0"/>
               <a:t>‹#›</a:t>
             </a:fld>
@@ -515,7 +515,7 @@
     </p:spTree>
     <p:extLst>
       <p:ext uri="{BB962C8B-B14F-4D97-AF65-F5344CB8AC3E}">
-        <p14:creationId xmlns:p14="http://schemas.microsoft.com/office/powerpoint/2010/main" val="3300275391"/>
+        <p14:creationId xmlns:p14="http://schemas.microsoft.com/office/powerpoint/2010/main" val="3019416101"/>
       </p:ext>
     </p:extLst>
   </p:cSld>
@@ -547,7 +547,7 @@
           <p:cNvPr id="2" name="竖排标题 1">
             <a:extLst>
               <a:ext uri="{FF2B5EF4-FFF2-40B4-BE49-F238E27FC236}">
-                <a16:creationId xmlns:a16="http://schemas.microsoft.com/office/drawing/2014/main" id="{7590FB63-AC66-9A2B-0274-4A805A828677}"/>
+                <a16:creationId xmlns:a16="http://schemas.microsoft.com/office/drawing/2014/main" id="{C0CACF4D-66E8-00C7-1A3D-F32F6D46E4C7}"/>
               </a:ext>
             </a:extLst>
           </p:cNvPr>
@@ -580,7 +580,7 @@
           <p:cNvPr id="3" name="竖排文字占位符 2">
             <a:extLst>
               <a:ext uri="{FF2B5EF4-FFF2-40B4-BE49-F238E27FC236}">
-                <a16:creationId xmlns:a16="http://schemas.microsoft.com/office/drawing/2014/main" id="{89D1111D-DA1D-CFFD-7CBD-9E777F506AC2}"/>
+                <a16:creationId xmlns:a16="http://schemas.microsoft.com/office/drawing/2014/main" id="{B2791462-66D3-7259-DECF-8A281318ABCA}"/>
               </a:ext>
             </a:extLst>
           </p:cNvPr>
@@ -642,7 +642,7 @@
           <p:cNvPr id="4" name="日期占位符 3">
             <a:extLst>
               <a:ext uri="{FF2B5EF4-FFF2-40B4-BE49-F238E27FC236}">
-                <a16:creationId xmlns:a16="http://schemas.microsoft.com/office/drawing/2014/main" id="{04812EF4-3F66-FA41-3869-A1F2321A4ECE}"/>
+                <a16:creationId xmlns:a16="http://schemas.microsoft.com/office/drawing/2014/main" id="{7AC3E4A3-EF1A-F65F-2CA6-3942DD734889}"/>
               </a:ext>
             </a:extLst>
           </p:cNvPr>
@@ -658,7 +658,7 @@
           <a:bodyPr/>
           <a:lstStyle/>
           <a:p>
-            <a:fld id="{9F90ABCE-721E-4B3D-8616-4D72E25C7341}" type="datetimeFigureOut">
+            <a:fld id="{FD0F080A-651B-4F9D-809C-CF2B113F353A}" type="datetimeFigureOut">
               <a:rPr lang="zh-CN" altLang="en-US" smtClean="0"/>
               <a:t>2024/3/10</a:t>
             </a:fld>
@@ -671,7 +671,7 @@
           <p:cNvPr id="5" name="页脚占位符 4">
             <a:extLst>
               <a:ext uri="{FF2B5EF4-FFF2-40B4-BE49-F238E27FC236}">
-                <a16:creationId xmlns:a16="http://schemas.microsoft.com/office/drawing/2014/main" id="{5A3DBFB5-6D6C-9166-BDFB-5315E066CE73}"/>
+                <a16:creationId xmlns:a16="http://schemas.microsoft.com/office/drawing/2014/main" id="{086A4300-0D00-D0C5-754C-C0E728C38BDE}"/>
               </a:ext>
             </a:extLst>
           </p:cNvPr>
@@ -696,7 +696,7 @@
           <p:cNvPr id="6" name="灯片编号占位符 5">
             <a:extLst>
               <a:ext uri="{FF2B5EF4-FFF2-40B4-BE49-F238E27FC236}">
-                <a16:creationId xmlns:a16="http://schemas.microsoft.com/office/drawing/2014/main" id="{A8CF9D4A-982A-6B0A-FBD6-15550102438D}"/>
+                <a16:creationId xmlns:a16="http://schemas.microsoft.com/office/drawing/2014/main" id="{ED3AD7C6-C684-4D01-8078-97ACF20A9902}"/>
               </a:ext>
             </a:extLst>
           </p:cNvPr>
@@ -712,7 +712,7 @@
           <a:bodyPr/>
           <a:lstStyle/>
           <a:p>
-            <a:fld id="{72410669-B2A6-4C29-B148-E680CC995E0E}" type="slidenum">
+            <a:fld id="{49E664E3-55A1-4CEC-BCA7-68A2AE21FCE1}" type="slidenum">
               <a:rPr lang="zh-CN" altLang="en-US" smtClean="0"/>
               <a:t>‹#›</a:t>
             </a:fld>
@@ -723,7 +723,7 @@
     </p:spTree>
     <p:extLst>
       <p:ext uri="{BB962C8B-B14F-4D97-AF65-F5344CB8AC3E}">
-        <p14:creationId xmlns:p14="http://schemas.microsoft.com/office/powerpoint/2010/main" val="664378575"/>
+        <p14:creationId xmlns:p14="http://schemas.microsoft.com/office/powerpoint/2010/main" val="3859386289"/>
       </p:ext>
     </p:extLst>
   </p:cSld>
@@ -755,7 +755,7 @@
           <p:cNvPr id="2" name="标题 1">
             <a:extLst>
               <a:ext uri="{FF2B5EF4-FFF2-40B4-BE49-F238E27FC236}">
-                <a16:creationId xmlns:a16="http://schemas.microsoft.com/office/drawing/2014/main" id="{484AD756-7C07-FB72-8010-CACD113EB82D}"/>
+                <a16:creationId xmlns:a16="http://schemas.microsoft.com/office/drawing/2014/main" id="{0B30F78A-495B-1E43-C034-3D8C6687956D}"/>
               </a:ext>
             </a:extLst>
           </p:cNvPr>
@@ -783,7 +783,7 @@
           <p:cNvPr id="3" name="内容占位符 2">
             <a:extLst>
               <a:ext uri="{FF2B5EF4-FFF2-40B4-BE49-F238E27FC236}">
-                <a16:creationId xmlns:a16="http://schemas.microsoft.com/office/drawing/2014/main" id="{2987201E-BC90-0BCC-3C8D-CFB9A9E89729}"/>
+                <a16:creationId xmlns:a16="http://schemas.microsoft.com/office/drawing/2014/main" id="{2FD70707-F1D8-5880-B1B2-EFCEC4C26F0D}"/>
               </a:ext>
             </a:extLst>
           </p:cNvPr>
@@ -840,7 +840,7 @@
           <p:cNvPr id="4" name="日期占位符 3">
             <a:extLst>
               <a:ext uri="{FF2B5EF4-FFF2-40B4-BE49-F238E27FC236}">
-                <a16:creationId xmlns:a16="http://schemas.microsoft.com/office/drawing/2014/main" id="{FFA8234C-7E91-AF28-35F4-65724778F5E3}"/>
+                <a16:creationId xmlns:a16="http://schemas.microsoft.com/office/drawing/2014/main" id="{72F3CD3F-67FA-CBCA-1011-2AC64A9F43FF}"/>
               </a:ext>
             </a:extLst>
           </p:cNvPr>
@@ -856,7 +856,7 @@
           <a:bodyPr/>
           <a:lstStyle/>
           <a:p>
-            <a:fld id="{9F90ABCE-721E-4B3D-8616-4D72E25C7341}" type="datetimeFigureOut">
+            <a:fld id="{FD0F080A-651B-4F9D-809C-CF2B113F353A}" type="datetimeFigureOut">
               <a:rPr lang="zh-CN" altLang="en-US" smtClean="0"/>
               <a:t>2024/3/10</a:t>
             </a:fld>
@@ -869,7 +869,7 @@
           <p:cNvPr id="5" name="页脚占位符 4">
             <a:extLst>
               <a:ext uri="{FF2B5EF4-FFF2-40B4-BE49-F238E27FC236}">
-                <a16:creationId xmlns:a16="http://schemas.microsoft.com/office/drawing/2014/main" id="{EF469F54-EAEC-F161-9CEA-A482FB8D204C}"/>
+                <a16:creationId xmlns:a16="http://schemas.microsoft.com/office/drawing/2014/main" id="{C6629E93-9A45-10C8-D940-DF93DBDF67CD}"/>
               </a:ext>
             </a:extLst>
           </p:cNvPr>
@@ -894,7 +894,7 @@
           <p:cNvPr id="6" name="灯片编号占位符 5">
             <a:extLst>
               <a:ext uri="{FF2B5EF4-FFF2-40B4-BE49-F238E27FC236}">
-                <a16:creationId xmlns:a16="http://schemas.microsoft.com/office/drawing/2014/main" id="{9E5D2D75-1C00-1388-5639-E0CDEC4F6BDE}"/>
+                <a16:creationId xmlns:a16="http://schemas.microsoft.com/office/drawing/2014/main" id="{8A5D7E00-1F15-43AF-178E-AD48CF5B6A5A}"/>
               </a:ext>
             </a:extLst>
           </p:cNvPr>
@@ -910,7 +910,7 @@
           <a:bodyPr/>
           <a:lstStyle/>
           <a:p>
-            <a:fld id="{72410669-B2A6-4C29-B148-E680CC995E0E}" type="slidenum">
+            <a:fld id="{49E664E3-55A1-4CEC-BCA7-68A2AE21FCE1}" type="slidenum">
               <a:rPr lang="zh-CN" altLang="en-US" smtClean="0"/>
               <a:t>‹#›</a:t>
             </a:fld>
@@ -921,7 +921,7 @@
     </p:spTree>
     <p:extLst>
       <p:ext uri="{BB962C8B-B14F-4D97-AF65-F5344CB8AC3E}">
-        <p14:creationId xmlns:p14="http://schemas.microsoft.com/office/powerpoint/2010/main" val="4176387534"/>
+        <p14:creationId xmlns:p14="http://schemas.microsoft.com/office/powerpoint/2010/main" val="3533968713"/>
       </p:ext>
     </p:extLst>
   </p:cSld>
@@ -953,7 +953,7 @@
           <p:cNvPr id="2" name="标题 1">
             <a:extLst>
               <a:ext uri="{FF2B5EF4-FFF2-40B4-BE49-F238E27FC236}">
-                <a16:creationId xmlns:a16="http://schemas.microsoft.com/office/drawing/2014/main" id="{19F69B5D-1404-763A-AD84-A41F87AC1B0C}"/>
+                <a16:creationId xmlns:a16="http://schemas.microsoft.com/office/drawing/2014/main" id="{A04AB781-7441-99BB-C7BB-274B51375734}"/>
               </a:ext>
             </a:extLst>
           </p:cNvPr>
@@ -990,7 +990,7 @@
           <p:cNvPr id="3" name="文本占位符 2">
             <a:extLst>
               <a:ext uri="{FF2B5EF4-FFF2-40B4-BE49-F238E27FC236}">
-                <a16:creationId xmlns:a16="http://schemas.microsoft.com/office/drawing/2014/main" id="{57686C67-F573-28BE-2B47-918C556B1D85}"/>
+                <a16:creationId xmlns:a16="http://schemas.microsoft.com/office/drawing/2014/main" id="{27318EB6-FC3A-FA59-C49B-50C7778557E4}"/>
               </a:ext>
             </a:extLst>
           </p:cNvPr>
@@ -1115,7 +1115,7 @@
           <p:cNvPr id="4" name="日期占位符 3">
             <a:extLst>
               <a:ext uri="{FF2B5EF4-FFF2-40B4-BE49-F238E27FC236}">
-                <a16:creationId xmlns:a16="http://schemas.microsoft.com/office/drawing/2014/main" id="{D4556C30-78C2-8A3E-33EC-642B9864FEC2}"/>
+                <a16:creationId xmlns:a16="http://schemas.microsoft.com/office/drawing/2014/main" id="{D6F4B051-4A16-1000-50A3-A255F8D299CE}"/>
               </a:ext>
             </a:extLst>
           </p:cNvPr>
@@ -1131,7 +1131,7 @@
           <a:bodyPr/>
           <a:lstStyle/>
           <a:p>
-            <a:fld id="{9F90ABCE-721E-4B3D-8616-4D72E25C7341}" type="datetimeFigureOut">
+            <a:fld id="{FD0F080A-651B-4F9D-809C-CF2B113F353A}" type="datetimeFigureOut">
               <a:rPr lang="zh-CN" altLang="en-US" smtClean="0"/>
               <a:t>2024/3/10</a:t>
             </a:fld>
@@ -1144,7 +1144,7 @@
           <p:cNvPr id="5" name="页脚占位符 4">
             <a:extLst>
               <a:ext uri="{FF2B5EF4-FFF2-40B4-BE49-F238E27FC236}">
-                <a16:creationId xmlns:a16="http://schemas.microsoft.com/office/drawing/2014/main" id="{BAD7BC19-9B03-FB51-E85E-EE467CA321AE}"/>
+                <a16:creationId xmlns:a16="http://schemas.microsoft.com/office/drawing/2014/main" id="{B9D8BC79-3BAE-0DDB-12D4-3F62D9602906}"/>
               </a:ext>
             </a:extLst>
           </p:cNvPr>
@@ -1169,7 +1169,7 @@
           <p:cNvPr id="6" name="灯片编号占位符 5">
             <a:extLst>
               <a:ext uri="{FF2B5EF4-FFF2-40B4-BE49-F238E27FC236}">
-                <a16:creationId xmlns:a16="http://schemas.microsoft.com/office/drawing/2014/main" id="{356D658F-3445-909B-798B-5129422F19BF}"/>
+                <a16:creationId xmlns:a16="http://schemas.microsoft.com/office/drawing/2014/main" id="{589D2F93-24A5-2956-4F41-68DDCF40C4E6}"/>
               </a:ext>
             </a:extLst>
           </p:cNvPr>
@@ -1185,7 +1185,7 @@
           <a:bodyPr/>
           <a:lstStyle/>
           <a:p>
-            <a:fld id="{72410669-B2A6-4C29-B148-E680CC995E0E}" type="slidenum">
+            <a:fld id="{49E664E3-55A1-4CEC-BCA7-68A2AE21FCE1}" type="slidenum">
               <a:rPr lang="zh-CN" altLang="en-US" smtClean="0"/>
               <a:t>‹#›</a:t>
             </a:fld>
@@ -1196,7 +1196,7 @@
     </p:spTree>
     <p:extLst>
       <p:ext uri="{BB962C8B-B14F-4D97-AF65-F5344CB8AC3E}">
-        <p14:creationId xmlns:p14="http://schemas.microsoft.com/office/powerpoint/2010/main" val="478377679"/>
+        <p14:creationId xmlns:p14="http://schemas.microsoft.com/office/powerpoint/2010/main" val="776532868"/>
       </p:ext>
     </p:extLst>
   </p:cSld>
@@ -1228,7 +1228,7 @@
           <p:cNvPr id="2" name="标题 1">
             <a:extLst>
               <a:ext uri="{FF2B5EF4-FFF2-40B4-BE49-F238E27FC236}">
-                <a16:creationId xmlns:a16="http://schemas.microsoft.com/office/drawing/2014/main" id="{C0BB7B43-17B9-42A5-881F-EDE9F0BA2B5F}"/>
+                <a16:creationId xmlns:a16="http://schemas.microsoft.com/office/drawing/2014/main" id="{B78FAD62-B7A4-AC36-04CC-58CD5EC31C65}"/>
               </a:ext>
             </a:extLst>
           </p:cNvPr>
@@ -1256,7 +1256,7 @@
           <p:cNvPr id="3" name="内容占位符 2">
             <a:extLst>
               <a:ext uri="{FF2B5EF4-FFF2-40B4-BE49-F238E27FC236}">
-                <a16:creationId xmlns:a16="http://schemas.microsoft.com/office/drawing/2014/main" id="{D5E6CBC0-E361-86BE-8337-53FF97F6D8A5}"/>
+                <a16:creationId xmlns:a16="http://schemas.microsoft.com/office/drawing/2014/main" id="{8B08FD36-DD1C-6DF2-B1A0-46F43372418F}"/>
               </a:ext>
             </a:extLst>
           </p:cNvPr>
@@ -1318,7 +1318,7 @@
           <p:cNvPr id="4" name="内容占位符 3">
             <a:extLst>
               <a:ext uri="{FF2B5EF4-FFF2-40B4-BE49-F238E27FC236}">
-                <a16:creationId xmlns:a16="http://schemas.microsoft.com/office/drawing/2014/main" id="{BF7A68FD-40CE-3F08-BD2D-DF00A4C2C635}"/>
+                <a16:creationId xmlns:a16="http://schemas.microsoft.com/office/drawing/2014/main" id="{D842A7D8-80F2-76B3-0BD9-1FADDCBCFB0A}"/>
               </a:ext>
             </a:extLst>
           </p:cNvPr>
@@ -1380,7 +1380,7 @@
           <p:cNvPr id="5" name="日期占位符 4">
             <a:extLst>
               <a:ext uri="{FF2B5EF4-FFF2-40B4-BE49-F238E27FC236}">
-                <a16:creationId xmlns:a16="http://schemas.microsoft.com/office/drawing/2014/main" id="{913362BE-CA65-DC56-8F94-4DE62EDA4E69}"/>
+                <a16:creationId xmlns:a16="http://schemas.microsoft.com/office/drawing/2014/main" id="{56771B1E-2EE1-19D8-4885-5D67D6F08C72}"/>
               </a:ext>
             </a:extLst>
           </p:cNvPr>
@@ -1396,7 +1396,7 @@
           <a:bodyPr/>
           <a:lstStyle/>
           <a:p>
-            <a:fld id="{9F90ABCE-721E-4B3D-8616-4D72E25C7341}" type="datetimeFigureOut">
+            <a:fld id="{FD0F080A-651B-4F9D-809C-CF2B113F353A}" type="datetimeFigureOut">
               <a:rPr lang="zh-CN" altLang="en-US" smtClean="0"/>
               <a:t>2024/3/10</a:t>
             </a:fld>
@@ -1409,7 +1409,7 @@
           <p:cNvPr id="6" name="页脚占位符 5">
             <a:extLst>
               <a:ext uri="{FF2B5EF4-FFF2-40B4-BE49-F238E27FC236}">
-                <a16:creationId xmlns:a16="http://schemas.microsoft.com/office/drawing/2014/main" id="{0931C4F1-CC74-CD18-76B0-B0E44C1081F0}"/>
+                <a16:creationId xmlns:a16="http://schemas.microsoft.com/office/drawing/2014/main" id="{27BB34D4-35AF-A8EE-30FB-B009D4139C62}"/>
               </a:ext>
             </a:extLst>
           </p:cNvPr>
@@ -1434,7 +1434,7 @@
           <p:cNvPr id="7" name="灯片编号占位符 6">
             <a:extLst>
               <a:ext uri="{FF2B5EF4-FFF2-40B4-BE49-F238E27FC236}">
-                <a16:creationId xmlns:a16="http://schemas.microsoft.com/office/drawing/2014/main" id="{8C74712A-9828-BD1E-29D4-D1E9C6A80C52}"/>
+                <a16:creationId xmlns:a16="http://schemas.microsoft.com/office/drawing/2014/main" id="{AA4D23B3-454A-63C9-BB44-3B100F2D0F89}"/>
               </a:ext>
             </a:extLst>
           </p:cNvPr>
@@ -1450,7 +1450,7 @@
           <a:bodyPr/>
           <a:lstStyle/>
           <a:p>
-            <a:fld id="{72410669-B2A6-4C29-B148-E680CC995E0E}" type="slidenum">
+            <a:fld id="{49E664E3-55A1-4CEC-BCA7-68A2AE21FCE1}" type="slidenum">
               <a:rPr lang="zh-CN" altLang="en-US" smtClean="0"/>
               <a:t>‹#›</a:t>
             </a:fld>
@@ -1461,7 +1461,7 @@
     </p:spTree>
     <p:extLst>
       <p:ext uri="{BB962C8B-B14F-4D97-AF65-F5344CB8AC3E}">
-        <p14:creationId xmlns:p14="http://schemas.microsoft.com/office/powerpoint/2010/main" val="1493978425"/>
+        <p14:creationId xmlns:p14="http://schemas.microsoft.com/office/powerpoint/2010/main" val="1634898648"/>
       </p:ext>
     </p:extLst>
   </p:cSld>
@@ -1493,7 +1493,7 @@
           <p:cNvPr id="2" name="标题 1">
             <a:extLst>
               <a:ext uri="{FF2B5EF4-FFF2-40B4-BE49-F238E27FC236}">
-                <a16:creationId xmlns:a16="http://schemas.microsoft.com/office/drawing/2014/main" id="{FA236955-B0CE-E3F3-6F88-11DCB2657320}"/>
+                <a16:creationId xmlns:a16="http://schemas.microsoft.com/office/drawing/2014/main" id="{C4D31C9B-5267-5B7E-61EA-47F74D155B1F}"/>
               </a:ext>
             </a:extLst>
           </p:cNvPr>
@@ -1526,7 +1526,7 @@
           <p:cNvPr id="3" name="文本占位符 2">
             <a:extLst>
               <a:ext uri="{FF2B5EF4-FFF2-40B4-BE49-F238E27FC236}">
-                <a16:creationId xmlns:a16="http://schemas.microsoft.com/office/drawing/2014/main" id="{79EF7A2F-FC52-014C-D2C4-6D2A65117357}"/>
+                <a16:creationId xmlns:a16="http://schemas.microsoft.com/office/drawing/2014/main" id="{AC081D70-F14B-77E9-1273-1BB0373B8C4D}"/>
               </a:ext>
             </a:extLst>
           </p:cNvPr>
@@ -1597,7 +1597,7 @@
           <p:cNvPr id="4" name="内容占位符 3">
             <a:extLst>
               <a:ext uri="{FF2B5EF4-FFF2-40B4-BE49-F238E27FC236}">
-                <a16:creationId xmlns:a16="http://schemas.microsoft.com/office/drawing/2014/main" id="{35732675-F6DF-9826-BE99-4489A4595074}"/>
+                <a16:creationId xmlns:a16="http://schemas.microsoft.com/office/drawing/2014/main" id="{6E6F4A24-A200-AA00-10C3-1BCFCB06CE14}"/>
               </a:ext>
             </a:extLst>
           </p:cNvPr>
@@ -1659,7 +1659,7 @@
           <p:cNvPr id="5" name="文本占位符 4">
             <a:extLst>
               <a:ext uri="{FF2B5EF4-FFF2-40B4-BE49-F238E27FC236}">
-                <a16:creationId xmlns:a16="http://schemas.microsoft.com/office/drawing/2014/main" id="{28B5CB7D-CC5A-4839-4528-CC8DDBDAAF14}"/>
+                <a16:creationId xmlns:a16="http://schemas.microsoft.com/office/drawing/2014/main" id="{77DCD50E-4B98-A6A1-51E4-7DAA1CA4E769}"/>
               </a:ext>
             </a:extLst>
           </p:cNvPr>
@@ -1730,7 +1730,7 @@
           <p:cNvPr id="6" name="内容占位符 5">
             <a:extLst>
               <a:ext uri="{FF2B5EF4-FFF2-40B4-BE49-F238E27FC236}">
-                <a16:creationId xmlns:a16="http://schemas.microsoft.com/office/drawing/2014/main" id="{02CD4CE6-8259-195E-220D-EEE6E79E4A17}"/>
+                <a16:creationId xmlns:a16="http://schemas.microsoft.com/office/drawing/2014/main" id="{98C1E945-809D-8C26-A5B4-C934E979E378}"/>
               </a:ext>
             </a:extLst>
           </p:cNvPr>
@@ -1792,7 +1792,7 @@
           <p:cNvPr id="7" name="日期占位符 6">
             <a:extLst>
               <a:ext uri="{FF2B5EF4-FFF2-40B4-BE49-F238E27FC236}">
-                <a16:creationId xmlns:a16="http://schemas.microsoft.com/office/drawing/2014/main" id="{7409CAA9-588B-C74B-C0B7-CBD1DFA376B9}"/>
+                <a16:creationId xmlns:a16="http://schemas.microsoft.com/office/drawing/2014/main" id="{9E1431FA-6011-78EE-AA0A-10DC8087A072}"/>
               </a:ext>
             </a:extLst>
           </p:cNvPr>
@@ -1808,7 +1808,7 @@
           <a:bodyPr/>
           <a:lstStyle/>
           <a:p>
-            <a:fld id="{9F90ABCE-721E-4B3D-8616-4D72E25C7341}" type="datetimeFigureOut">
+            <a:fld id="{FD0F080A-651B-4F9D-809C-CF2B113F353A}" type="datetimeFigureOut">
               <a:rPr lang="zh-CN" altLang="en-US" smtClean="0"/>
               <a:t>2024/3/10</a:t>
             </a:fld>
@@ -1821,7 +1821,7 @@
           <p:cNvPr id="8" name="页脚占位符 7">
             <a:extLst>
               <a:ext uri="{FF2B5EF4-FFF2-40B4-BE49-F238E27FC236}">
-                <a16:creationId xmlns:a16="http://schemas.microsoft.com/office/drawing/2014/main" id="{99350CF2-EA61-ED84-2099-51B6CFD91730}"/>
+                <a16:creationId xmlns:a16="http://schemas.microsoft.com/office/drawing/2014/main" id="{A9B73BC1-88F0-7454-CE6A-F774123DC193}"/>
               </a:ext>
             </a:extLst>
           </p:cNvPr>
@@ -1846,7 +1846,7 @@
           <p:cNvPr id="9" name="灯片编号占位符 8">
             <a:extLst>
               <a:ext uri="{FF2B5EF4-FFF2-40B4-BE49-F238E27FC236}">
-                <a16:creationId xmlns:a16="http://schemas.microsoft.com/office/drawing/2014/main" id="{99C48646-3B01-740D-C708-7DE2CA56150B}"/>
+                <a16:creationId xmlns:a16="http://schemas.microsoft.com/office/drawing/2014/main" id="{2EEE7164-ED83-F4BA-2C40-E6843880CF2F}"/>
               </a:ext>
             </a:extLst>
           </p:cNvPr>
@@ -1862,7 +1862,7 @@
           <a:bodyPr/>
           <a:lstStyle/>
           <a:p>
-            <a:fld id="{72410669-B2A6-4C29-B148-E680CC995E0E}" type="slidenum">
+            <a:fld id="{49E664E3-55A1-4CEC-BCA7-68A2AE21FCE1}" type="slidenum">
               <a:rPr lang="zh-CN" altLang="en-US" smtClean="0"/>
               <a:t>‹#›</a:t>
             </a:fld>
@@ -1873,7 +1873,7 @@
     </p:spTree>
     <p:extLst>
       <p:ext uri="{BB962C8B-B14F-4D97-AF65-F5344CB8AC3E}">
-        <p14:creationId xmlns:p14="http://schemas.microsoft.com/office/powerpoint/2010/main" val="292773488"/>
+        <p14:creationId xmlns:p14="http://schemas.microsoft.com/office/powerpoint/2010/main" val="4091746777"/>
       </p:ext>
     </p:extLst>
   </p:cSld>
@@ -1905,7 +1905,7 @@
           <p:cNvPr id="2" name="标题 1">
             <a:extLst>
               <a:ext uri="{FF2B5EF4-FFF2-40B4-BE49-F238E27FC236}">
-                <a16:creationId xmlns:a16="http://schemas.microsoft.com/office/drawing/2014/main" id="{E0AFCBE0-5A9A-4D3B-4918-4CB6BBD937EF}"/>
+                <a16:creationId xmlns:a16="http://schemas.microsoft.com/office/drawing/2014/main" id="{359335D0-4DD5-B89B-F33A-D71365B2ABBA}"/>
               </a:ext>
             </a:extLst>
           </p:cNvPr>
@@ -1933,7 +1933,7 @@
           <p:cNvPr id="3" name="日期占位符 2">
             <a:extLst>
               <a:ext uri="{FF2B5EF4-FFF2-40B4-BE49-F238E27FC236}">
-                <a16:creationId xmlns:a16="http://schemas.microsoft.com/office/drawing/2014/main" id="{A2E8629E-DE7D-5FE9-AAE9-38BB8DD11675}"/>
+                <a16:creationId xmlns:a16="http://schemas.microsoft.com/office/drawing/2014/main" id="{F637CE24-640D-4717-3F1F-BF114DAA46BF}"/>
               </a:ext>
             </a:extLst>
           </p:cNvPr>
@@ -1949,7 +1949,7 @@
           <a:bodyPr/>
           <a:lstStyle/>
           <a:p>
-            <a:fld id="{9F90ABCE-721E-4B3D-8616-4D72E25C7341}" type="datetimeFigureOut">
+            <a:fld id="{FD0F080A-651B-4F9D-809C-CF2B113F353A}" type="datetimeFigureOut">
               <a:rPr lang="zh-CN" altLang="en-US" smtClean="0"/>
               <a:t>2024/3/10</a:t>
             </a:fld>
@@ -1962,7 +1962,7 @@
           <p:cNvPr id="4" name="页脚占位符 3">
             <a:extLst>
               <a:ext uri="{FF2B5EF4-FFF2-40B4-BE49-F238E27FC236}">
-                <a16:creationId xmlns:a16="http://schemas.microsoft.com/office/drawing/2014/main" id="{4491BE1A-AF12-8039-35BB-C9553F172022}"/>
+                <a16:creationId xmlns:a16="http://schemas.microsoft.com/office/drawing/2014/main" id="{914BF174-28CD-536D-F3D6-56B7A748AA79}"/>
               </a:ext>
             </a:extLst>
           </p:cNvPr>
@@ -1987,7 +1987,7 @@
           <p:cNvPr id="5" name="灯片编号占位符 4">
             <a:extLst>
               <a:ext uri="{FF2B5EF4-FFF2-40B4-BE49-F238E27FC236}">
-                <a16:creationId xmlns:a16="http://schemas.microsoft.com/office/drawing/2014/main" id="{1B80413D-72F1-70B7-AB56-6F29ACAAF3D8}"/>
+                <a16:creationId xmlns:a16="http://schemas.microsoft.com/office/drawing/2014/main" id="{9446C76F-37AD-BBA0-2D8A-FD2CDE09E646}"/>
               </a:ext>
             </a:extLst>
           </p:cNvPr>
@@ -2003,7 +2003,7 @@
           <a:bodyPr/>
           <a:lstStyle/>
           <a:p>
-            <a:fld id="{72410669-B2A6-4C29-B148-E680CC995E0E}" type="slidenum">
+            <a:fld id="{49E664E3-55A1-4CEC-BCA7-68A2AE21FCE1}" type="slidenum">
               <a:rPr lang="zh-CN" altLang="en-US" smtClean="0"/>
               <a:t>‹#›</a:t>
             </a:fld>
@@ -2014,7 +2014,7 @@
     </p:spTree>
     <p:extLst>
       <p:ext uri="{BB962C8B-B14F-4D97-AF65-F5344CB8AC3E}">
-        <p14:creationId xmlns:p14="http://schemas.microsoft.com/office/powerpoint/2010/main" val="929228655"/>
+        <p14:creationId xmlns:p14="http://schemas.microsoft.com/office/powerpoint/2010/main" val="1104178325"/>
       </p:ext>
     </p:extLst>
   </p:cSld>
@@ -2046,7 +2046,7 @@
           <p:cNvPr id="2" name="日期占位符 1">
             <a:extLst>
               <a:ext uri="{FF2B5EF4-FFF2-40B4-BE49-F238E27FC236}">
-                <a16:creationId xmlns:a16="http://schemas.microsoft.com/office/drawing/2014/main" id="{26514F9B-5569-706F-9E7F-CA3B23BE8BF7}"/>
+                <a16:creationId xmlns:a16="http://schemas.microsoft.com/office/drawing/2014/main" id="{C6DCD737-3B18-578C-C2F6-1B1370071B53}"/>
               </a:ext>
             </a:extLst>
           </p:cNvPr>
@@ -2062,7 +2062,7 @@
           <a:bodyPr/>
           <a:lstStyle/>
           <a:p>
-            <a:fld id="{9F90ABCE-721E-4B3D-8616-4D72E25C7341}" type="datetimeFigureOut">
+            <a:fld id="{FD0F080A-651B-4F9D-809C-CF2B113F353A}" type="datetimeFigureOut">
               <a:rPr lang="zh-CN" altLang="en-US" smtClean="0"/>
               <a:t>2024/3/10</a:t>
             </a:fld>
@@ -2075,7 +2075,7 @@
           <p:cNvPr id="3" name="页脚占位符 2">
             <a:extLst>
               <a:ext uri="{FF2B5EF4-FFF2-40B4-BE49-F238E27FC236}">
-                <a16:creationId xmlns:a16="http://schemas.microsoft.com/office/drawing/2014/main" id="{F81861E9-2A8D-B7D7-C24C-81D32B0E9768}"/>
+                <a16:creationId xmlns:a16="http://schemas.microsoft.com/office/drawing/2014/main" id="{1BE3296E-2FA0-0390-8025-54355BAFCB6E}"/>
               </a:ext>
             </a:extLst>
           </p:cNvPr>
@@ -2100,7 +2100,7 @@
           <p:cNvPr id="4" name="灯片编号占位符 3">
             <a:extLst>
               <a:ext uri="{FF2B5EF4-FFF2-40B4-BE49-F238E27FC236}">
-                <a16:creationId xmlns:a16="http://schemas.microsoft.com/office/drawing/2014/main" id="{CB2C0BB1-AE85-1F7A-4FE9-E4DA666A48C2}"/>
+                <a16:creationId xmlns:a16="http://schemas.microsoft.com/office/drawing/2014/main" id="{344817FD-BF81-2AFD-BC52-5D3F3CE672CD}"/>
               </a:ext>
             </a:extLst>
           </p:cNvPr>
@@ -2116,7 +2116,7 @@
           <a:bodyPr/>
           <a:lstStyle/>
           <a:p>
-            <a:fld id="{72410669-B2A6-4C29-B148-E680CC995E0E}" type="slidenum">
+            <a:fld id="{49E664E3-55A1-4CEC-BCA7-68A2AE21FCE1}" type="slidenum">
               <a:rPr lang="zh-CN" altLang="en-US" smtClean="0"/>
               <a:t>‹#›</a:t>
             </a:fld>
@@ -2127,7 +2127,7 @@
     </p:spTree>
     <p:extLst>
       <p:ext uri="{BB962C8B-B14F-4D97-AF65-F5344CB8AC3E}">
-        <p14:creationId xmlns:p14="http://schemas.microsoft.com/office/powerpoint/2010/main" val="3098337348"/>
+        <p14:creationId xmlns:p14="http://schemas.microsoft.com/office/powerpoint/2010/main" val="2828760239"/>
       </p:ext>
     </p:extLst>
   </p:cSld>
@@ -2159,7 +2159,7 @@
           <p:cNvPr id="2" name="标题 1">
             <a:extLst>
               <a:ext uri="{FF2B5EF4-FFF2-40B4-BE49-F238E27FC236}">
-                <a16:creationId xmlns:a16="http://schemas.microsoft.com/office/drawing/2014/main" id="{754C769A-4273-3899-8EB4-8956E260475D}"/>
+                <a16:creationId xmlns:a16="http://schemas.microsoft.com/office/drawing/2014/main" id="{246C9209-FC04-70F4-FAE5-EA0EFAAD1A39}"/>
               </a:ext>
             </a:extLst>
           </p:cNvPr>
@@ -2196,7 +2196,7 @@
           <p:cNvPr id="3" name="内容占位符 2">
             <a:extLst>
               <a:ext uri="{FF2B5EF4-FFF2-40B4-BE49-F238E27FC236}">
-                <a16:creationId xmlns:a16="http://schemas.microsoft.com/office/drawing/2014/main" id="{F121A48E-BEF6-6ED7-7B49-AD1249286880}"/>
+                <a16:creationId xmlns:a16="http://schemas.microsoft.com/office/drawing/2014/main" id="{B3C5FF1E-1C1D-24A0-85DE-65226990928A}"/>
               </a:ext>
             </a:extLst>
           </p:cNvPr>
@@ -2286,7 +2286,7 @@
           <p:cNvPr id="4" name="文本占位符 3">
             <a:extLst>
               <a:ext uri="{FF2B5EF4-FFF2-40B4-BE49-F238E27FC236}">
-                <a16:creationId xmlns:a16="http://schemas.microsoft.com/office/drawing/2014/main" id="{D4E78B4C-5D9D-2160-8718-8A16C985C082}"/>
+                <a16:creationId xmlns:a16="http://schemas.microsoft.com/office/drawing/2014/main" id="{B21FC46D-BBBE-87BD-14C2-F61121FFF4F0}"/>
               </a:ext>
             </a:extLst>
           </p:cNvPr>
@@ -2357,7 +2357,7 @@
           <p:cNvPr id="5" name="日期占位符 4">
             <a:extLst>
               <a:ext uri="{FF2B5EF4-FFF2-40B4-BE49-F238E27FC236}">
-                <a16:creationId xmlns:a16="http://schemas.microsoft.com/office/drawing/2014/main" id="{D5E05BF6-3BBE-F588-D7F9-CCEA1963EBEB}"/>
+                <a16:creationId xmlns:a16="http://schemas.microsoft.com/office/drawing/2014/main" id="{AFB4839F-5967-26FD-5374-D4C552BD2860}"/>
               </a:ext>
             </a:extLst>
           </p:cNvPr>
@@ -2373,7 +2373,7 @@
           <a:bodyPr/>
           <a:lstStyle/>
           <a:p>
-            <a:fld id="{9F90ABCE-721E-4B3D-8616-4D72E25C7341}" type="datetimeFigureOut">
+            <a:fld id="{FD0F080A-651B-4F9D-809C-CF2B113F353A}" type="datetimeFigureOut">
               <a:rPr lang="zh-CN" altLang="en-US" smtClean="0"/>
               <a:t>2024/3/10</a:t>
             </a:fld>
@@ -2386,7 +2386,7 @@
           <p:cNvPr id="6" name="页脚占位符 5">
             <a:extLst>
               <a:ext uri="{FF2B5EF4-FFF2-40B4-BE49-F238E27FC236}">
-                <a16:creationId xmlns:a16="http://schemas.microsoft.com/office/drawing/2014/main" id="{D1954457-26F1-1C71-EE20-0C363DC9AC1F}"/>
+                <a16:creationId xmlns:a16="http://schemas.microsoft.com/office/drawing/2014/main" id="{66CC568E-4FEF-AF2F-B6D9-AFAC7BB41496}"/>
               </a:ext>
             </a:extLst>
           </p:cNvPr>
@@ -2411,7 +2411,7 @@
           <p:cNvPr id="7" name="灯片编号占位符 6">
             <a:extLst>
               <a:ext uri="{FF2B5EF4-FFF2-40B4-BE49-F238E27FC236}">
-                <a16:creationId xmlns:a16="http://schemas.microsoft.com/office/drawing/2014/main" id="{1266978F-1489-B95D-4E4C-057EC1DB8F71}"/>
+                <a16:creationId xmlns:a16="http://schemas.microsoft.com/office/drawing/2014/main" id="{45FAF09F-E933-C40E-4FA1-38E1078F9A7D}"/>
               </a:ext>
             </a:extLst>
           </p:cNvPr>
@@ -2427,7 +2427,7 @@
           <a:bodyPr/>
           <a:lstStyle/>
           <a:p>
-            <a:fld id="{72410669-B2A6-4C29-B148-E680CC995E0E}" type="slidenum">
+            <a:fld id="{49E664E3-55A1-4CEC-BCA7-68A2AE21FCE1}" type="slidenum">
               <a:rPr lang="zh-CN" altLang="en-US" smtClean="0"/>
               <a:t>‹#›</a:t>
             </a:fld>
@@ -2438,7 +2438,7 @@
     </p:spTree>
     <p:extLst>
       <p:ext uri="{BB962C8B-B14F-4D97-AF65-F5344CB8AC3E}">
-        <p14:creationId xmlns:p14="http://schemas.microsoft.com/office/powerpoint/2010/main" val="3378141609"/>
+        <p14:creationId xmlns:p14="http://schemas.microsoft.com/office/powerpoint/2010/main" val="3785072148"/>
       </p:ext>
     </p:extLst>
   </p:cSld>
@@ -2470,7 +2470,7 @@
           <p:cNvPr id="2" name="标题 1">
             <a:extLst>
               <a:ext uri="{FF2B5EF4-FFF2-40B4-BE49-F238E27FC236}">
-                <a16:creationId xmlns:a16="http://schemas.microsoft.com/office/drawing/2014/main" id="{F249D4C2-D806-F263-34FD-1EFDFFF558C0}"/>
+                <a16:creationId xmlns:a16="http://schemas.microsoft.com/office/drawing/2014/main" id="{9475302C-1E5A-4EF8-E8E3-5F13A6447F05}"/>
               </a:ext>
             </a:extLst>
           </p:cNvPr>
@@ -2507,7 +2507,7 @@
           <p:cNvPr id="3" name="图片占位符 2">
             <a:extLst>
               <a:ext uri="{FF2B5EF4-FFF2-40B4-BE49-F238E27FC236}">
-                <a16:creationId xmlns:a16="http://schemas.microsoft.com/office/drawing/2014/main" id="{0BF17977-A55A-D9C7-8E09-F9A1A62B823B}"/>
+                <a16:creationId xmlns:a16="http://schemas.microsoft.com/office/drawing/2014/main" id="{9F94EB6D-0541-EBDD-8177-801321F6F368}"/>
               </a:ext>
             </a:extLst>
           </p:cNvPr>
@@ -2574,7 +2574,7 @@
           <p:cNvPr id="4" name="文本占位符 3">
             <a:extLst>
               <a:ext uri="{FF2B5EF4-FFF2-40B4-BE49-F238E27FC236}">
-                <a16:creationId xmlns:a16="http://schemas.microsoft.com/office/drawing/2014/main" id="{1F5DCEDA-CA3F-2FA8-8E9F-49A2BA415195}"/>
+                <a16:creationId xmlns:a16="http://schemas.microsoft.com/office/drawing/2014/main" id="{95EB694E-44F9-2736-7290-8087CE18A6E7}"/>
               </a:ext>
             </a:extLst>
           </p:cNvPr>
@@ -2645,7 +2645,7 @@
           <p:cNvPr id="5" name="日期占位符 4">
             <a:extLst>
               <a:ext uri="{FF2B5EF4-FFF2-40B4-BE49-F238E27FC236}">
-                <a16:creationId xmlns:a16="http://schemas.microsoft.com/office/drawing/2014/main" id="{964958E5-535A-9373-2DDC-1DA8797C2928}"/>
+                <a16:creationId xmlns:a16="http://schemas.microsoft.com/office/drawing/2014/main" id="{238E9C9F-6A00-8446-1103-E50B1ED9D9F5}"/>
               </a:ext>
             </a:extLst>
           </p:cNvPr>
@@ -2661,7 +2661,7 @@
           <a:bodyPr/>
           <a:lstStyle/>
           <a:p>
-            <a:fld id="{9F90ABCE-721E-4B3D-8616-4D72E25C7341}" type="datetimeFigureOut">
+            <a:fld id="{FD0F080A-651B-4F9D-809C-CF2B113F353A}" type="datetimeFigureOut">
               <a:rPr lang="zh-CN" altLang="en-US" smtClean="0"/>
               <a:t>2024/3/10</a:t>
             </a:fld>
@@ -2674,7 +2674,7 @@
           <p:cNvPr id="6" name="页脚占位符 5">
             <a:extLst>
               <a:ext uri="{FF2B5EF4-FFF2-40B4-BE49-F238E27FC236}">
-                <a16:creationId xmlns:a16="http://schemas.microsoft.com/office/drawing/2014/main" id="{B1A7C732-DB14-0A3C-ACB3-3408A82FEF58}"/>
+                <a16:creationId xmlns:a16="http://schemas.microsoft.com/office/drawing/2014/main" id="{93393652-0780-416F-812B-0F0DA5B9DAB3}"/>
               </a:ext>
             </a:extLst>
           </p:cNvPr>
@@ -2699,7 +2699,7 @@
           <p:cNvPr id="7" name="灯片编号占位符 6">
             <a:extLst>
               <a:ext uri="{FF2B5EF4-FFF2-40B4-BE49-F238E27FC236}">
-                <a16:creationId xmlns:a16="http://schemas.microsoft.com/office/drawing/2014/main" id="{02EC68CB-1734-7526-AF0F-FC0EEA093E40}"/>
+                <a16:creationId xmlns:a16="http://schemas.microsoft.com/office/drawing/2014/main" id="{F4E7E77E-7C89-3422-B7B2-09DDB6B5DAE8}"/>
               </a:ext>
             </a:extLst>
           </p:cNvPr>
@@ -2715,7 +2715,7 @@
           <a:bodyPr/>
           <a:lstStyle/>
           <a:p>
-            <a:fld id="{72410669-B2A6-4C29-B148-E680CC995E0E}" type="slidenum">
+            <a:fld id="{49E664E3-55A1-4CEC-BCA7-68A2AE21FCE1}" type="slidenum">
               <a:rPr lang="zh-CN" altLang="en-US" smtClean="0"/>
               <a:t>‹#›</a:t>
             </a:fld>
@@ -2726,7 +2726,7 @@
     </p:spTree>
     <p:extLst>
       <p:ext uri="{BB962C8B-B14F-4D97-AF65-F5344CB8AC3E}">
-        <p14:creationId xmlns:p14="http://schemas.microsoft.com/office/powerpoint/2010/main" val="2908041536"/>
+        <p14:creationId xmlns:p14="http://schemas.microsoft.com/office/powerpoint/2010/main" val="1525617859"/>
       </p:ext>
     </p:extLst>
   </p:cSld>
@@ -2763,7 +2763,7 @@
           <p:cNvPr id="2" name="标题占位符 1">
             <a:extLst>
               <a:ext uri="{FF2B5EF4-FFF2-40B4-BE49-F238E27FC236}">
-                <a16:creationId xmlns:a16="http://schemas.microsoft.com/office/drawing/2014/main" id="{C5488CD4-BE0B-B0B2-AE29-6B2A06ED112C}"/>
+                <a16:creationId xmlns:a16="http://schemas.microsoft.com/office/drawing/2014/main" id="{761185EA-333B-0188-61EF-524E5D4ABBC8}"/>
               </a:ext>
             </a:extLst>
           </p:cNvPr>
@@ -2801,7 +2801,7 @@
           <p:cNvPr id="3" name="文本占位符 2">
             <a:extLst>
               <a:ext uri="{FF2B5EF4-FFF2-40B4-BE49-F238E27FC236}">
-                <a16:creationId xmlns:a16="http://schemas.microsoft.com/office/drawing/2014/main" id="{48FA94B1-22C0-3583-17C8-BB4301B3BBC8}"/>
+                <a16:creationId xmlns:a16="http://schemas.microsoft.com/office/drawing/2014/main" id="{55258F9B-AA16-447A-7495-21CDACBB9758}"/>
               </a:ext>
             </a:extLst>
           </p:cNvPr>
@@ -2868,7 +2868,7 @@
           <p:cNvPr id="4" name="日期占位符 3">
             <a:extLst>
               <a:ext uri="{FF2B5EF4-FFF2-40B4-BE49-F238E27FC236}">
-                <a16:creationId xmlns:a16="http://schemas.microsoft.com/office/drawing/2014/main" id="{78AED2CD-8DC9-F4B7-2EA1-2AD4F902D039}"/>
+                <a16:creationId xmlns:a16="http://schemas.microsoft.com/office/drawing/2014/main" id="{56E9E813-A7C7-35F0-4D56-153213526D50}"/>
               </a:ext>
             </a:extLst>
           </p:cNvPr>
@@ -2902,7 +2902,7 @@
             </a:lvl1pPr>
           </a:lstStyle>
           <a:p>
-            <a:fld id="{9F90ABCE-721E-4B3D-8616-4D72E25C7341}" type="datetimeFigureOut">
+            <a:fld id="{FD0F080A-651B-4F9D-809C-CF2B113F353A}" type="datetimeFigureOut">
               <a:rPr lang="zh-CN" altLang="en-US" smtClean="0"/>
               <a:t>2024/3/10</a:t>
             </a:fld>
@@ -2915,7 +2915,7 @@
           <p:cNvPr id="5" name="页脚占位符 4">
             <a:extLst>
               <a:ext uri="{FF2B5EF4-FFF2-40B4-BE49-F238E27FC236}">
-                <a16:creationId xmlns:a16="http://schemas.microsoft.com/office/drawing/2014/main" id="{FEADADEC-E82B-565B-1AF1-50CBFE1B2182}"/>
+                <a16:creationId xmlns:a16="http://schemas.microsoft.com/office/drawing/2014/main" id="{887003C0-1A07-601F-CF41-F47346002903}"/>
               </a:ext>
             </a:extLst>
           </p:cNvPr>
@@ -2958,7 +2958,7 @@
           <p:cNvPr id="6" name="灯片编号占位符 5">
             <a:extLst>
               <a:ext uri="{FF2B5EF4-FFF2-40B4-BE49-F238E27FC236}">
-                <a16:creationId xmlns:a16="http://schemas.microsoft.com/office/drawing/2014/main" id="{34CD5132-D325-FD63-94AA-3E41B9F77686}"/>
+                <a16:creationId xmlns:a16="http://schemas.microsoft.com/office/drawing/2014/main" id="{3EA8527D-7974-D0BA-9D85-89722F8FE6D5}"/>
               </a:ext>
             </a:extLst>
           </p:cNvPr>
@@ -2992,7 +2992,7 @@
             </a:lvl1pPr>
           </a:lstStyle>
           <a:p>
-            <a:fld id="{72410669-B2A6-4C29-B148-E680CC995E0E}" type="slidenum">
+            <a:fld id="{49E664E3-55A1-4CEC-BCA7-68A2AE21FCE1}" type="slidenum">
               <a:rPr lang="zh-CN" altLang="en-US" smtClean="0"/>
               <a:t>‹#›</a:t>
             </a:fld>
@@ -3003,7 +3003,7 @@
     </p:spTree>
     <p:extLst>
       <p:ext uri="{BB962C8B-B14F-4D97-AF65-F5344CB8AC3E}">
-        <p14:creationId xmlns:p14="http://schemas.microsoft.com/office/powerpoint/2010/main" val="846617374"/>
+        <p14:creationId xmlns:p14="http://schemas.microsoft.com/office/powerpoint/2010/main" val="3399461555"/>
       </p:ext>
     </p:extLst>
   </p:cSld>
